--- a/pres/01-Intro.pptx
+++ b/pres/01-Intro.pptx
@@ -314,6 +314,11 @@
       </a:defRPr>
     </a:lvl9pPr>
   </p:defaultTextStyle>
+  <p:extLst>
+    <p:ext uri="{EFAFB233-063F-42B5-8137-9DF3F51BA10A}">
+      <p15:sldGuideLst xmlns:p15="http://schemas.microsoft.com/office/powerpoint/2012/main"/>
+    </p:ext>
+  </p:extLst>
 </p:presentation>
 </file>
 
@@ -1969,8 +1974,8 @@
         </p:nvSpPr>
         <p:spPr>
           <a:xfrm>
-            <a:off x="1143225" y="685800"/>
-            <a:ext cx="4572225" cy="3429000"/>
+            <a:off x="381000" y="685800"/>
+            <a:ext cx="6096000" cy="3429000"/>
           </a:xfrm>
           <a:custGeom>
             <a:avLst/>
@@ -23415,10 +23420,10 @@
               <a:buChar char="•"/>
             </a:pPr>
             <a:r>
-              <a:rPr lang="en-US"/>
+              <a:rPr lang="en-US" dirty="0"/>
               <a:t>2 lectures: 150 min</a:t>
             </a:r>
-            <a:endParaRPr/>
+            <a:endParaRPr dirty="0"/>
           </a:p>
           <a:p>
             <a:pPr marL="228600" lvl="0" indent="-228600" algn="l" rtl="0">
@@ -23438,10 +23443,10 @@
               <a:buChar char="•"/>
             </a:pPr>
             <a:r>
-              <a:rPr lang="en-US"/>
+              <a:rPr lang="en-US" dirty="0"/>
               <a:t>Homework</a:t>
             </a:r>
-            <a:endParaRPr/>
+            <a:endParaRPr dirty="0"/>
           </a:p>
           <a:p>
             <a:pPr marL="685800" lvl="1" indent="-228600" algn="l" rtl="0">
@@ -23461,10 +23466,10 @@
               <a:buChar char="•"/>
             </a:pPr>
             <a:r>
-              <a:rPr lang="en-US" b="1"/>
-              <a:t>Main: Github Classroom</a:t>
-            </a:r>
-            <a:endParaRPr/>
+              <a:rPr lang="en-US" b="1" dirty="0"/>
+              <a:t>Main: Coursework</a:t>
+            </a:r>
+            <a:endParaRPr dirty="0"/>
           </a:p>
           <a:p>
             <a:pPr marL="685800" lvl="1" indent="-228600" algn="l" rtl="0">
@@ -23484,33 +23489,10 @@
               <a:buChar char="•"/>
             </a:pPr>
             <a:r>
-              <a:rPr lang="en-US" b="1"/>
-              <a:t>Main: Coursework</a:t>
-            </a:r>
-            <a:endParaRPr/>
-          </a:p>
-          <a:p>
-            <a:pPr marL="685800" lvl="1" indent="-228600" algn="l" rtl="0">
-              <a:lnSpc>
-                <a:spcPct val="90000"/>
-              </a:lnSpc>
-              <a:spcBef>
-                <a:spcPts val="500"/>
-              </a:spcBef>
-              <a:spcAft>
-                <a:spcPts val="0"/>
-              </a:spcAft>
-              <a:buClr>
-                <a:schemeClr val="dk1"/>
-              </a:buClr>
-              <a:buSzPts val="2400"/>
-              <a:buChar char="•"/>
-            </a:pPr>
-            <a:r>
-              <a:rPr lang="en-US"/>
+              <a:rPr lang="en-US" dirty="0"/>
               <a:t>Optional: Rustlings</a:t>
             </a:r>
-            <a:endParaRPr/>
+            <a:endParaRPr dirty="0"/>
           </a:p>
           <a:p>
             <a:pPr marL="228600" lvl="0" indent="-228600" algn="l" rtl="0">
@@ -23530,10 +23512,10 @@
               <a:buChar char="•"/>
             </a:pPr>
             <a:r>
-              <a:rPr lang="en-US"/>
+              <a:rPr lang="en-US" dirty="0"/>
               <a:t>Use telegram for questions</a:t>
             </a:r>
-            <a:endParaRPr/>
+            <a:endParaRPr dirty="0"/>
           </a:p>
           <a:p>
             <a:pPr marL="685800" lvl="1" indent="-76200" algn="l" rtl="0">
@@ -23552,7 +23534,7 @@
               <a:buSzPts val="2400"/>
               <a:buNone/>
             </a:pPr>
-            <a:endParaRPr/>
+            <a:endParaRPr dirty="0"/>
           </a:p>
         </p:txBody>
       </p:sp>
@@ -23794,104 +23776,6 @@
                                           <p:spTgt spid="91">
                                             <p:txEl>
                                               <p:pRg st="4" end="4"/>
-                                            </p:txEl>
-                                          </p:spTgt>
-                                        </p:tgtEl>
-                                        <p:attrNameLst>
-                                          <p:attrName>style.visibility</p:attrName>
-                                        </p:attrNameLst>
-                                      </p:cBhvr>
-                                      <p:to>
-                                        <p:strVal val="visible"/>
-                                      </p:to>
-                                    </p:set>
-                                  </p:childTnLst>
-                                </p:cTn>
-                              </p:par>
-                            </p:childTnLst>
-                          </p:cTn>
-                        </p:par>
-                      </p:childTnLst>
-                    </p:cTn>
-                  </p:par>
-                  <p:par>
-                    <p:cTn id="23" fill="hold">
-                      <p:stCondLst>
-                        <p:cond delay="indefinite"/>
-                      </p:stCondLst>
-                      <p:childTnLst>
-                        <p:par>
-                          <p:cTn id="24" fill="hold">
-                            <p:stCondLst>
-                              <p:cond delay="0"/>
-                            </p:stCondLst>
-                            <p:childTnLst>
-                              <p:par>
-                                <p:cTn id="25" presetID="1" presetClass="entr" presetSubtype="0" fill="hold" nodeType="clickEffect">
-                                  <p:stCondLst>
-                                    <p:cond delay="0"/>
-                                  </p:stCondLst>
-                                  <p:childTnLst>
-                                    <p:set>
-                                      <p:cBhvr>
-                                        <p:cTn id="26" dur="1" fill="hold">
-                                          <p:stCondLst>
-                                            <p:cond delay="0"/>
-                                          </p:stCondLst>
-                                        </p:cTn>
-                                        <p:tgtEl>
-                                          <p:spTgt spid="91">
-                                            <p:txEl>
-                                              <p:pRg st="5" end="5"/>
-                                            </p:txEl>
-                                          </p:spTgt>
-                                        </p:tgtEl>
-                                        <p:attrNameLst>
-                                          <p:attrName>style.visibility</p:attrName>
-                                        </p:attrNameLst>
-                                      </p:cBhvr>
-                                      <p:to>
-                                        <p:strVal val="visible"/>
-                                      </p:to>
-                                    </p:set>
-                                  </p:childTnLst>
-                                </p:cTn>
-                              </p:par>
-                            </p:childTnLst>
-                          </p:cTn>
-                        </p:par>
-                      </p:childTnLst>
-                    </p:cTn>
-                  </p:par>
-                  <p:par>
-                    <p:cTn id="27" fill="hold">
-                      <p:stCondLst>
-                        <p:cond delay="indefinite"/>
-                      </p:stCondLst>
-                      <p:childTnLst>
-                        <p:par>
-                          <p:cTn id="28" fill="hold">
-                            <p:stCondLst>
-                              <p:cond delay="0"/>
-                            </p:stCondLst>
-                            <p:childTnLst>
-                              <p:par>
-                                <p:cTn id="29" presetID="1" presetClass="entr" presetSubtype="0" fill="hold" nodeType="clickEffect">
-                                  <p:stCondLst>
-                                    <p:cond delay="0"/>
-                                  </p:stCondLst>
-                                  <p:childTnLst>
-                                    <p:set>
-                                      <p:cBhvr>
-                                        <p:cTn id="30" dur="1" fill="hold">
-                                          <p:stCondLst>
-                                            <p:cond delay="0"/>
-                                          </p:stCondLst>
-                                        </p:cTn>
-                                        <p:tgtEl>
-                                          <p:spTgt spid="91">
-                                            <p:txEl>
-                                              <p:pRg st="6" end="6"/>
                                             </p:txEl>
                                           </p:spTgt>
                                         </p:tgtEl>
@@ -44194,63 +44078,22 @@
               <a:buChar char="•"/>
             </a:pPr>
             <a:r>
-              <a:rPr lang="en-US" dirty="0" err="1"/>
-              <a:t>GitHubClassroom</a:t>
-            </a:r>
-            <a:r>
               <a:rPr lang="en-US" dirty="0"/>
-              <a:t> (TBD)</a:t>
+              <a:t>Rustlings</a:t>
             </a:r>
           </a:p>
           <a:p>
-            <a:pPr marL="228600" lvl="0" indent="-228600" algn="l" rtl="0">
-              <a:lnSpc>
-                <a:spcPct val="90000"/>
-              </a:lnSpc>
-              <a:spcBef>
-                <a:spcPts val="1000"/>
-              </a:spcBef>
-              <a:spcAft>
-                <a:spcPts val="0"/>
-              </a:spcAft>
-              <a:buClr>
-                <a:schemeClr val="dk1"/>
-              </a:buClr>
-              <a:buSzPts val="2800"/>
-              <a:buChar char="•"/>
+            <a:pPr marL="685800" lvl="1" indent="-228600">
+              <a:buSzPts val="2400"/>
             </a:pPr>
             <a:r>
-              <a:rPr lang="en-US" dirty="0"/>
-              <a:t>Rustlings</a:t>
-            </a:r>
-          </a:p>
-          <a:p>
-            <a:pPr marL="685800" lvl="1" indent="-228600" algn="l" rtl="0">
-              <a:lnSpc>
-                <a:spcPct val="90000"/>
-              </a:lnSpc>
-              <a:spcBef>
-                <a:spcPts val="500"/>
-              </a:spcBef>
-              <a:spcAft>
-                <a:spcPts val="0"/>
-              </a:spcAft>
-              <a:buClr>
-                <a:schemeClr val="dk1"/>
-              </a:buClr>
-              <a:buSzPts val="2400"/>
-              <a:buChar char="•"/>
-            </a:pPr>
-            <a:r>
               <a:rPr lang="en-US" u="sng" dirty="0">
                 <a:solidFill>
                   <a:schemeClr val="hlink"/>
                 </a:solidFill>
-                <a:hlinkClick r:id="rId3"/>
               </a:rPr>
               <a:t>https://github.com/rust-lang/rustlings</a:t>
             </a:r>
-            <a:endParaRPr dirty="0"/>
           </a:p>
           <a:p>
             <a:pPr marL="685800" lvl="1" indent="-228600" algn="l" rtl="0">
@@ -44606,26 +44449,39 @@
                                   </p:childTnLst>
                                 </p:cTn>
                               </p:par>
-                            </p:childTnLst>
-                          </p:cTn>
-                        </p:par>
-                      </p:childTnLst>
-                    </p:cTn>
-                  </p:par>
-                  <p:par>
-                    <p:cTn id="11" fill="hold">
-                      <p:stCondLst>
-                        <p:cond delay="indefinite"/>
-                      </p:stCondLst>
-                      <p:childTnLst>
-                        <p:par>
-                          <p:cTn id="12" fill="hold">
-                            <p:stCondLst>
-                              <p:cond delay="0"/>
-                            </p:stCondLst>
-                            <p:childTnLst>
                               <p:par>
-                                <p:cTn id="13" presetID="1" presetClass="entr" presetSubtype="0" fill="hold" grpId="0" nodeType="clickEffect">
+                                <p:cTn id="11" presetID="1" presetClass="entr" presetSubtype="0" fill="hold" grpId="0" nodeType="withEffect">
+                                  <p:stCondLst>
+                                    <p:cond delay="0"/>
+                                  </p:stCondLst>
+                                  <p:childTnLst>
+                                    <p:set>
+                                      <p:cBhvr>
+                                        <p:cTn id="12" dur="1" fill="hold">
+                                          <p:stCondLst>
+                                            <p:cond delay="0"/>
+                                          </p:stCondLst>
+                                        </p:cTn>
+                                        <p:tgtEl>
+                                          <p:spTgt spid="414">
+                                            <p:txEl>
+                                              <p:pRg st="2" end="2"/>
+                                            </p:txEl>
+                                          </p:spTgt>
+                                        </p:tgtEl>
+                                        <p:attrNameLst>
+                                          <p:attrName>style.visibility</p:attrName>
+                                        </p:attrNameLst>
+                                      </p:cBhvr>
+                                      <p:to>
+                                        <p:strVal val="visible"/>
+                                      </p:to>
+                                    </p:set>
+                                  </p:childTnLst>
+                                </p:cTn>
+                              </p:par>
+                              <p:par>
+                                <p:cTn id="13" presetID="1" presetClass="entr" presetSubtype="0" fill="hold" grpId="0" nodeType="withEffect">
                                   <p:stCondLst>
                                     <p:cond delay="0"/>
                                   </p:stCondLst>
@@ -44640,7 +44496,7 @@
                                         <p:tgtEl>
                                           <p:spTgt spid="414">
                                             <p:txEl>
-                                              <p:pRg st="2" end="2"/>
+                                              <p:pRg st="3" end="3"/>
                                             </p:txEl>
                                           </p:spTgt>
                                         </p:tgtEl>
@@ -44671,7 +44527,7 @@
                                         <p:tgtEl>
                                           <p:spTgt spid="414">
                                             <p:txEl>
-                                              <p:pRg st="3" end="3"/>
+                                              <p:pRg st="4" end="4"/>
                                             </p:txEl>
                                           </p:spTgt>
                                         </p:tgtEl>
@@ -44702,7 +44558,7 @@
                                         <p:tgtEl>
                                           <p:spTgt spid="414">
                                             <p:txEl>
-                                              <p:pRg st="4" end="4"/>
+                                              <p:pRg st="5" end="5"/>
                                             </p:txEl>
                                           </p:spTgt>
                                         </p:tgtEl>
@@ -44733,7 +44589,7 @@
                                         <p:tgtEl>
                                           <p:spTgt spid="414">
                                             <p:txEl>
-                                              <p:pRg st="5" end="5"/>
+                                              <p:pRg st="6" end="6"/>
                                             </p:txEl>
                                           </p:spTgt>
                                         </p:tgtEl>
@@ -44764,69 +44620,7 @@
                                         <p:tgtEl>
                                           <p:spTgt spid="414">
                                             <p:txEl>
-                                              <p:pRg st="6" end="6"/>
-                                            </p:txEl>
-                                          </p:spTgt>
-                                        </p:tgtEl>
-                                        <p:attrNameLst>
-                                          <p:attrName>style.visibility</p:attrName>
-                                        </p:attrNameLst>
-                                      </p:cBhvr>
-                                      <p:to>
-                                        <p:strVal val="visible"/>
-                                      </p:to>
-                                    </p:set>
-                                  </p:childTnLst>
-                                </p:cTn>
-                              </p:par>
-                              <p:par>
-                                <p:cTn id="23" presetID="1" presetClass="entr" presetSubtype="0" fill="hold" grpId="0" nodeType="withEffect">
-                                  <p:stCondLst>
-                                    <p:cond delay="0"/>
-                                  </p:stCondLst>
-                                  <p:childTnLst>
-                                    <p:set>
-                                      <p:cBhvr>
-                                        <p:cTn id="24" dur="1" fill="hold">
-                                          <p:stCondLst>
-                                            <p:cond delay="0"/>
-                                          </p:stCondLst>
-                                        </p:cTn>
-                                        <p:tgtEl>
-                                          <p:spTgt spid="414">
-                                            <p:txEl>
                                               <p:pRg st="7" end="7"/>
-                                            </p:txEl>
-                                          </p:spTgt>
-                                        </p:tgtEl>
-                                        <p:attrNameLst>
-                                          <p:attrName>style.visibility</p:attrName>
-                                        </p:attrNameLst>
-                                      </p:cBhvr>
-                                      <p:to>
-                                        <p:strVal val="visible"/>
-                                      </p:to>
-                                    </p:set>
-                                  </p:childTnLst>
-                                </p:cTn>
-                              </p:par>
-                              <p:par>
-                                <p:cTn id="25" presetID="1" presetClass="entr" presetSubtype="0" fill="hold" grpId="0" nodeType="withEffect">
-                                  <p:stCondLst>
-                                    <p:cond delay="0"/>
-                                  </p:stCondLst>
-                                  <p:childTnLst>
-                                    <p:set>
-                                      <p:cBhvr>
-                                        <p:cTn id="26" dur="1" fill="hold">
-                                          <p:stCondLst>
-                                            <p:cond delay="0"/>
-                                          </p:stCondLst>
-                                        </p:cTn>
-                                        <p:tgtEl>
-                                          <p:spTgt spid="414">
-                                            <p:txEl>
-                                              <p:pRg st="8" end="8"/>
                                             </p:txEl>
                                           </p:spTgt>
                                         </p:tgtEl>
